--- a/maya-boeckh@cybersoc-york.pptx
+++ b/maya-boeckh@cybersoc-york.pptx
@@ -322,7 +322,7 @@
           <a:p>
             <a:fld id="{F5562DD2-8080-4965-818A-2E60C72E5957}" type="datetimeFigureOut">
               <a:rPr lang="fr-FR" smtClean="0"/>
-              <a:t>08/05/2023</a:t>
+              <a:t>10/05/2023</a:t>
             </a:fld>
             <a:endParaRPr lang="fr-FR"/>
           </a:p>
@@ -2552,7 +2552,7 @@
           <a:p>
             <a:fld id="{46EEC5BE-DFC0-4428-97D6-7BEC7C375876}" type="datetimeFigureOut">
               <a:rPr lang="fr-FR" smtClean="0"/>
-              <a:t>08/05/2023</a:t>
+              <a:t>10/05/2023</a:t>
             </a:fld>
             <a:endParaRPr lang="fr-FR"/>
           </a:p>
@@ -2752,7 +2752,7 @@
           <a:p>
             <a:fld id="{46EEC5BE-DFC0-4428-97D6-7BEC7C375876}" type="datetimeFigureOut">
               <a:rPr lang="fr-FR" smtClean="0"/>
-              <a:t>08/05/2023</a:t>
+              <a:t>10/05/2023</a:t>
             </a:fld>
             <a:endParaRPr lang="fr-FR"/>
           </a:p>
@@ -2962,7 +2962,7 @@
           <a:p>
             <a:fld id="{46EEC5BE-DFC0-4428-97D6-7BEC7C375876}" type="datetimeFigureOut">
               <a:rPr lang="fr-FR" smtClean="0"/>
-              <a:t>08/05/2023</a:t>
+              <a:t>10/05/2023</a:t>
             </a:fld>
             <a:endParaRPr lang="fr-FR"/>
           </a:p>
@@ -3162,7 +3162,7 @@
           <a:p>
             <a:fld id="{46EEC5BE-DFC0-4428-97D6-7BEC7C375876}" type="datetimeFigureOut">
               <a:rPr lang="fr-FR" smtClean="0"/>
-              <a:t>08/05/2023</a:t>
+              <a:t>10/05/2023</a:t>
             </a:fld>
             <a:endParaRPr lang="fr-FR"/>
           </a:p>
@@ -3438,7 +3438,7 @@
           <a:p>
             <a:fld id="{46EEC5BE-DFC0-4428-97D6-7BEC7C375876}" type="datetimeFigureOut">
               <a:rPr lang="fr-FR" smtClean="0"/>
-              <a:t>08/05/2023</a:t>
+              <a:t>10/05/2023</a:t>
             </a:fld>
             <a:endParaRPr lang="fr-FR"/>
           </a:p>
@@ -3706,7 +3706,7 @@
           <a:p>
             <a:fld id="{46EEC5BE-DFC0-4428-97D6-7BEC7C375876}" type="datetimeFigureOut">
               <a:rPr lang="fr-FR" smtClean="0"/>
-              <a:t>08/05/2023</a:t>
+              <a:t>10/05/2023</a:t>
             </a:fld>
             <a:endParaRPr lang="fr-FR"/>
           </a:p>
@@ -4121,7 +4121,7 @@
           <a:p>
             <a:fld id="{46EEC5BE-DFC0-4428-97D6-7BEC7C375876}" type="datetimeFigureOut">
               <a:rPr lang="fr-FR" smtClean="0"/>
-              <a:t>08/05/2023</a:t>
+              <a:t>10/05/2023</a:t>
             </a:fld>
             <a:endParaRPr lang="fr-FR"/>
           </a:p>
@@ -4263,7 +4263,7 @@
           <a:p>
             <a:fld id="{46EEC5BE-DFC0-4428-97D6-7BEC7C375876}" type="datetimeFigureOut">
               <a:rPr lang="fr-FR" smtClean="0"/>
-              <a:t>08/05/2023</a:t>
+              <a:t>10/05/2023</a:t>
             </a:fld>
             <a:endParaRPr lang="fr-FR"/>
           </a:p>
@@ -4376,7 +4376,7 @@
           <a:p>
             <a:fld id="{46EEC5BE-DFC0-4428-97D6-7BEC7C375876}" type="datetimeFigureOut">
               <a:rPr lang="fr-FR" smtClean="0"/>
-              <a:t>08/05/2023</a:t>
+              <a:t>10/05/2023</a:t>
             </a:fld>
             <a:endParaRPr lang="fr-FR"/>
           </a:p>
@@ -4689,7 +4689,7 @@
           <a:p>
             <a:fld id="{46EEC5BE-DFC0-4428-97D6-7BEC7C375876}" type="datetimeFigureOut">
               <a:rPr lang="fr-FR" smtClean="0"/>
-              <a:t>08/05/2023</a:t>
+              <a:t>10/05/2023</a:t>
             </a:fld>
             <a:endParaRPr lang="fr-FR"/>
           </a:p>
@@ -4978,7 +4978,7 @@
           <a:p>
             <a:fld id="{46EEC5BE-DFC0-4428-97D6-7BEC7C375876}" type="datetimeFigureOut">
               <a:rPr lang="fr-FR" smtClean="0"/>
-              <a:t>08/05/2023</a:t>
+              <a:t>10/05/2023</a:t>
             </a:fld>
             <a:endParaRPr lang="fr-FR"/>
           </a:p>
@@ -5221,7 +5221,7 @@
           <a:p>
             <a:fld id="{46EEC5BE-DFC0-4428-97D6-7BEC7C375876}" type="datetimeFigureOut">
               <a:rPr lang="fr-FR" smtClean="0"/>
-              <a:t>08/05/2023</a:t>
+              <a:t>10/05/2023</a:t>
             </a:fld>
             <a:endParaRPr lang="fr-FR"/>
           </a:p>
@@ -25800,6 +25800,279 @@
   <p:clrMapOvr>
     <a:masterClrMapping/>
   </p:clrMapOvr>
+  <p:timing>
+    <p:tnLst>
+      <p:par>
+        <p:cTn id="1" dur="indefinite" restart="never" nodeType="tmRoot">
+          <p:childTnLst>
+            <p:seq concurrent="1" nextAc="seek">
+              <p:cTn id="2" dur="indefinite" nodeType="mainSeq">
+                <p:childTnLst>
+                  <p:par>
+                    <p:cTn id="3" fill="hold">
+                      <p:stCondLst>
+                        <p:cond delay="indefinite"/>
+                        <p:cond evt="onBegin" delay="0">
+                          <p:tn val="2"/>
+                        </p:cond>
+                      </p:stCondLst>
+                      <p:childTnLst>
+                        <p:par>
+                          <p:cTn id="4" fill="hold">
+                            <p:stCondLst>
+                              <p:cond delay="0"/>
+                            </p:stCondLst>
+                            <p:childTnLst>
+                              <p:par>
+                                <p:cTn id="5" presetID="10" presetClass="entr" presetSubtype="0" fill="hold" grpId="0" nodeType="withEffect">
+                                  <p:stCondLst>
+                                    <p:cond delay="0"/>
+                                  </p:stCondLst>
+                                  <p:childTnLst>
+                                    <p:set>
+                                      <p:cBhvr>
+                                        <p:cTn id="6" dur="1" fill="hold">
+                                          <p:stCondLst>
+                                            <p:cond delay="0"/>
+                                          </p:stCondLst>
+                                        </p:cTn>
+                                        <p:tgtEl>
+                                          <p:spTgt spid="2"/>
+                                        </p:tgtEl>
+                                        <p:attrNameLst>
+                                          <p:attrName>style.visibility</p:attrName>
+                                        </p:attrNameLst>
+                                      </p:cBhvr>
+                                      <p:to>
+                                        <p:strVal val="visible"/>
+                                      </p:to>
+                                    </p:set>
+                                    <p:animEffect transition="in" filter="fade">
+                                      <p:cBhvr>
+                                        <p:cTn id="7" dur="500"/>
+                                        <p:tgtEl>
+                                          <p:spTgt spid="2"/>
+                                        </p:tgtEl>
+                                      </p:cBhvr>
+                                    </p:animEffect>
+                                  </p:childTnLst>
+                                </p:cTn>
+                              </p:par>
+                            </p:childTnLst>
+                          </p:cTn>
+                        </p:par>
+                      </p:childTnLst>
+                    </p:cTn>
+                  </p:par>
+                  <p:par>
+                    <p:cTn id="8" fill="hold">
+                      <p:stCondLst>
+                        <p:cond delay="indefinite"/>
+                      </p:stCondLst>
+                      <p:childTnLst>
+                        <p:par>
+                          <p:cTn id="9" fill="hold">
+                            <p:stCondLst>
+                              <p:cond delay="0"/>
+                            </p:stCondLst>
+                            <p:childTnLst>
+                              <p:par>
+                                <p:cTn id="10" presetID="10" presetClass="entr" presetSubtype="0" fill="hold" grpId="0" nodeType="clickEffect">
+                                  <p:stCondLst>
+                                    <p:cond delay="0"/>
+                                  </p:stCondLst>
+                                  <p:childTnLst>
+                                    <p:set>
+                                      <p:cBhvr>
+                                        <p:cTn id="11" dur="1" fill="hold">
+                                          <p:stCondLst>
+                                            <p:cond delay="0"/>
+                                          </p:stCondLst>
+                                        </p:cTn>
+                                        <p:tgtEl>
+                                          <p:spTgt spid="3">
+                                            <p:txEl>
+                                              <p:pRg st="0" end="0"/>
+                                            </p:txEl>
+                                          </p:spTgt>
+                                        </p:tgtEl>
+                                        <p:attrNameLst>
+                                          <p:attrName>style.visibility</p:attrName>
+                                        </p:attrNameLst>
+                                      </p:cBhvr>
+                                      <p:to>
+                                        <p:strVal val="visible"/>
+                                      </p:to>
+                                    </p:set>
+                                    <p:animEffect transition="in" filter="fade">
+                                      <p:cBhvr>
+                                        <p:cTn id="12" dur="500"/>
+                                        <p:tgtEl>
+                                          <p:spTgt spid="3">
+                                            <p:txEl>
+                                              <p:pRg st="0" end="0"/>
+                                            </p:txEl>
+                                          </p:spTgt>
+                                        </p:tgtEl>
+                                      </p:cBhvr>
+                                    </p:animEffect>
+                                  </p:childTnLst>
+                                </p:cTn>
+                              </p:par>
+                            </p:childTnLst>
+                          </p:cTn>
+                        </p:par>
+                      </p:childTnLst>
+                    </p:cTn>
+                  </p:par>
+                  <p:par>
+                    <p:cTn id="13" fill="hold">
+                      <p:stCondLst>
+                        <p:cond delay="indefinite"/>
+                      </p:stCondLst>
+                      <p:childTnLst>
+                        <p:par>
+                          <p:cTn id="14" fill="hold">
+                            <p:stCondLst>
+                              <p:cond delay="0"/>
+                            </p:stCondLst>
+                            <p:childTnLst>
+                              <p:par>
+                                <p:cTn id="15" presetID="10" presetClass="entr" presetSubtype="0" fill="hold" grpId="0" nodeType="clickEffect">
+                                  <p:stCondLst>
+                                    <p:cond delay="0"/>
+                                  </p:stCondLst>
+                                  <p:childTnLst>
+                                    <p:set>
+                                      <p:cBhvr>
+                                        <p:cTn id="16" dur="1" fill="hold">
+                                          <p:stCondLst>
+                                            <p:cond delay="0"/>
+                                          </p:stCondLst>
+                                        </p:cTn>
+                                        <p:tgtEl>
+                                          <p:spTgt spid="3">
+                                            <p:txEl>
+                                              <p:pRg st="2" end="2"/>
+                                            </p:txEl>
+                                          </p:spTgt>
+                                        </p:tgtEl>
+                                        <p:attrNameLst>
+                                          <p:attrName>style.visibility</p:attrName>
+                                        </p:attrNameLst>
+                                      </p:cBhvr>
+                                      <p:to>
+                                        <p:strVal val="visible"/>
+                                      </p:to>
+                                    </p:set>
+                                    <p:animEffect transition="in" filter="fade">
+                                      <p:cBhvr>
+                                        <p:cTn id="17" dur="500"/>
+                                        <p:tgtEl>
+                                          <p:spTgt spid="3">
+                                            <p:txEl>
+                                              <p:pRg st="2" end="2"/>
+                                            </p:txEl>
+                                          </p:spTgt>
+                                        </p:tgtEl>
+                                      </p:cBhvr>
+                                    </p:animEffect>
+                                  </p:childTnLst>
+                                </p:cTn>
+                              </p:par>
+                            </p:childTnLst>
+                          </p:cTn>
+                        </p:par>
+                      </p:childTnLst>
+                    </p:cTn>
+                  </p:par>
+                  <p:par>
+                    <p:cTn id="18" fill="hold">
+                      <p:stCondLst>
+                        <p:cond delay="indefinite"/>
+                      </p:stCondLst>
+                      <p:childTnLst>
+                        <p:par>
+                          <p:cTn id="19" fill="hold">
+                            <p:stCondLst>
+                              <p:cond delay="0"/>
+                            </p:stCondLst>
+                            <p:childTnLst>
+                              <p:par>
+                                <p:cTn id="20" presetID="10" presetClass="entr" presetSubtype="0" fill="hold" grpId="0" nodeType="clickEffect">
+                                  <p:stCondLst>
+                                    <p:cond delay="0"/>
+                                  </p:stCondLst>
+                                  <p:childTnLst>
+                                    <p:set>
+                                      <p:cBhvr>
+                                        <p:cTn id="21" dur="1" fill="hold">
+                                          <p:stCondLst>
+                                            <p:cond delay="0"/>
+                                          </p:stCondLst>
+                                        </p:cTn>
+                                        <p:tgtEl>
+                                          <p:spTgt spid="3">
+                                            <p:txEl>
+                                              <p:pRg st="4" end="4"/>
+                                            </p:txEl>
+                                          </p:spTgt>
+                                        </p:tgtEl>
+                                        <p:attrNameLst>
+                                          <p:attrName>style.visibility</p:attrName>
+                                        </p:attrNameLst>
+                                      </p:cBhvr>
+                                      <p:to>
+                                        <p:strVal val="visible"/>
+                                      </p:to>
+                                    </p:set>
+                                    <p:animEffect transition="in" filter="fade">
+                                      <p:cBhvr>
+                                        <p:cTn id="22" dur="500"/>
+                                        <p:tgtEl>
+                                          <p:spTgt spid="3">
+                                            <p:txEl>
+                                              <p:pRg st="4" end="4"/>
+                                            </p:txEl>
+                                          </p:spTgt>
+                                        </p:tgtEl>
+                                      </p:cBhvr>
+                                    </p:animEffect>
+                                  </p:childTnLst>
+                                </p:cTn>
+                              </p:par>
+                            </p:childTnLst>
+                          </p:cTn>
+                        </p:par>
+                      </p:childTnLst>
+                    </p:cTn>
+                  </p:par>
+                </p:childTnLst>
+              </p:cTn>
+              <p:prevCondLst>
+                <p:cond evt="onPrev" delay="0">
+                  <p:tgtEl>
+                    <p:sldTgt/>
+                  </p:tgtEl>
+                </p:cond>
+              </p:prevCondLst>
+              <p:nextCondLst>
+                <p:cond evt="onNext" delay="0">
+                  <p:tgtEl>
+                    <p:sldTgt/>
+                  </p:tgtEl>
+                </p:cond>
+              </p:nextCondLst>
+            </p:seq>
+          </p:childTnLst>
+        </p:cTn>
+      </p:par>
+    </p:tnLst>
+    <p:bldLst>
+      <p:bldP spid="2" grpId="0"/>
+      <p:bldP spid="3" grpId="0" build="p"/>
+    </p:bldLst>
+  </p:timing>
 </p:sld>
 </file>
 
@@ -33258,21 +33531,30 @@
                             </p:childTnLst>
                           </p:cTn>
                         </p:par>
+                      </p:childTnLst>
+                    </p:cTn>
+                  </p:par>
+                  <p:par>
+                    <p:cTn id="16" fill="hold">
+                      <p:stCondLst>
+                        <p:cond delay="indefinite"/>
+                      </p:stCondLst>
+                      <p:childTnLst>
                         <p:par>
-                          <p:cTn id="16" fill="hold">
+                          <p:cTn id="17" fill="hold">
                             <p:stCondLst>
-                              <p:cond delay="500"/>
+                              <p:cond delay="0"/>
                             </p:stCondLst>
                             <p:childTnLst>
                               <p:par>
-                                <p:cTn id="17" presetID="10" presetClass="entr" presetSubtype="0" fill="hold" grpId="0" nodeType="afterEffect">
+                                <p:cTn id="18" presetID="10" presetClass="entr" presetSubtype="0" fill="hold" grpId="0" nodeType="clickEffect">
                                   <p:stCondLst>
                                     <p:cond delay="0"/>
                                   </p:stCondLst>
                                   <p:childTnLst>
                                     <p:set>
                                       <p:cBhvr>
-                                        <p:cTn id="18" dur="1" fill="hold">
+                                        <p:cTn id="19" dur="1" fill="hold">
                                           <p:stCondLst>
                                             <p:cond delay="0"/>
                                           </p:stCondLst>
@@ -33294,271 +33576,11 @@
                                     </p:set>
                                     <p:animEffect transition="in" filter="fade">
                                       <p:cBhvr>
-                                        <p:cTn id="19" dur="500"/>
+                                        <p:cTn id="20" dur="500"/>
                                         <p:tgtEl>
                                           <p:spTgt spid="5">
                                             <p:txEl>
                                               <p:pRg st="1" end="1"/>
-                                            </p:txEl>
-                                          </p:spTgt>
-                                        </p:tgtEl>
-                                      </p:cBhvr>
-                                    </p:animEffect>
-                                  </p:childTnLst>
-                                </p:cTn>
-                              </p:par>
-                            </p:childTnLst>
-                          </p:cTn>
-                        </p:par>
-                        <p:par>
-                          <p:cTn id="20" fill="hold">
-                            <p:stCondLst>
-                              <p:cond delay="1000"/>
-                            </p:stCondLst>
-                            <p:childTnLst>
-                              <p:par>
-                                <p:cTn id="21" presetID="10" presetClass="entr" presetSubtype="0" fill="hold" grpId="0" nodeType="afterEffect">
-                                  <p:stCondLst>
-                                    <p:cond delay="0"/>
-                                  </p:stCondLst>
-                                  <p:childTnLst>
-                                    <p:set>
-                                      <p:cBhvr>
-                                        <p:cTn id="22" dur="1" fill="hold">
-                                          <p:stCondLst>
-                                            <p:cond delay="0"/>
-                                          </p:stCondLst>
-                                        </p:cTn>
-                                        <p:tgtEl>
-                                          <p:spTgt spid="5">
-                                            <p:txEl>
-                                              <p:pRg st="2" end="2"/>
-                                            </p:txEl>
-                                          </p:spTgt>
-                                        </p:tgtEl>
-                                        <p:attrNameLst>
-                                          <p:attrName>style.visibility</p:attrName>
-                                        </p:attrNameLst>
-                                      </p:cBhvr>
-                                      <p:to>
-                                        <p:strVal val="visible"/>
-                                      </p:to>
-                                    </p:set>
-                                    <p:animEffect transition="in" filter="fade">
-                                      <p:cBhvr>
-                                        <p:cTn id="23" dur="500"/>
-                                        <p:tgtEl>
-                                          <p:spTgt spid="5">
-                                            <p:txEl>
-                                              <p:pRg st="2" end="2"/>
-                                            </p:txEl>
-                                          </p:spTgt>
-                                        </p:tgtEl>
-                                      </p:cBhvr>
-                                    </p:animEffect>
-                                  </p:childTnLst>
-                                </p:cTn>
-                              </p:par>
-                            </p:childTnLst>
-                          </p:cTn>
-                        </p:par>
-                        <p:par>
-                          <p:cTn id="24" fill="hold">
-                            <p:stCondLst>
-                              <p:cond delay="1500"/>
-                            </p:stCondLst>
-                            <p:childTnLst>
-                              <p:par>
-                                <p:cTn id="25" presetID="10" presetClass="entr" presetSubtype="0" fill="hold" grpId="0" nodeType="afterEffect">
-                                  <p:stCondLst>
-                                    <p:cond delay="0"/>
-                                  </p:stCondLst>
-                                  <p:childTnLst>
-                                    <p:set>
-                                      <p:cBhvr>
-                                        <p:cTn id="26" dur="1" fill="hold">
-                                          <p:stCondLst>
-                                            <p:cond delay="0"/>
-                                          </p:stCondLst>
-                                        </p:cTn>
-                                        <p:tgtEl>
-                                          <p:spTgt spid="5">
-                                            <p:txEl>
-                                              <p:pRg st="3" end="3"/>
-                                            </p:txEl>
-                                          </p:spTgt>
-                                        </p:tgtEl>
-                                        <p:attrNameLst>
-                                          <p:attrName>style.visibility</p:attrName>
-                                        </p:attrNameLst>
-                                      </p:cBhvr>
-                                      <p:to>
-                                        <p:strVal val="visible"/>
-                                      </p:to>
-                                    </p:set>
-                                    <p:animEffect transition="in" filter="fade">
-                                      <p:cBhvr>
-                                        <p:cTn id="27" dur="500"/>
-                                        <p:tgtEl>
-                                          <p:spTgt spid="5">
-                                            <p:txEl>
-                                              <p:pRg st="3" end="3"/>
-                                            </p:txEl>
-                                          </p:spTgt>
-                                        </p:tgtEl>
-                                      </p:cBhvr>
-                                    </p:animEffect>
-                                  </p:childTnLst>
-                                </p:cTn>
-                              </p:par>
-                            </p:childTnLst>
-                          </p:cTn>
-                        </p:par>
-                        <p:par>
-                          <p:cTn id="28" fill="hold">
-                            <p:stCondLst>
-                              <p:cond delay="2000"/>
-                            </p:stCondLst>
-                            <p:childTnLst>
-                              <p:par>
-                                <p:cTn id="29" presetID="10" presetClass="entr" presetSubtype="0" fill="hold" grpId="0" nodeType="afterEffect">
-                                  <p:stCondLst>
-                                    <p:cond delay="0"/>
-                                  </p:stCondLst>
-                                  <p:childTnLst>
-                                    <p:set>
-                                      <p:cBhvr>
-                                        <p:cTn id="30" dur="1" fill="hold">
-                                          <p:stCondLst>
-                                            <p:cond delay="0"/>
-                                          </p:stCondLst>
-                                        </p:cTn>
-                                        <p:tgtEl>
-                                          <p:spTgt spid="5">
-                                            <p:txEl>
-                                              <p:pRg st="4" end="4"/>
-                                            </p:txEl>
-                                          </p:spTgt>
-                                        </p:tgtEl>
-                                        <p:attrNameLst>
-                                          <p:attrName>style.visibility</p:attrName>
-                                        </p:attrNameLst>
-                                      </p:cBhvr>
-                                      <p:to>
-                                        <p:strVal val="visible"/>
-                                      </p:to>
-                                    </p:set>
-                                    <p:animEffect transition="in" filter="fade">
-                                      <p:cBhvr>
-                                        <p:cTn id="31" dur="500"/>
-                                        <p:tgtEl>
-                                          <p:spTgt spid="5">
-                                            <p:txEl>
-                                              <p:pRg st="4" end="4"/>
-                                            </p:txEl>
-                                          </p:spTgt>
-                                        </p:tgtEl>
-                                      </p:cBhvr>
-                                    </p:animEffect>
-                                  </p:childTnLst>
-                                </p:cTn>
-                              </p:par>
-                            </p:childTnLst>
-                          </p:cTn>
-                        </p:par>
-                        <p:par>
-                          <p:cTn id="32" fill="hold">
-                            <p:stCondLst>
-                              <p:cond delay="2500"/>
-                            </p:stCondLst>
-                            <p:childTnLst>
-                              <p:par>
-                                <p:cTn id="33" presetID="10" presetClass="entr" presetSubtype="0" fill="hold" grpId="0" nodeType="afterEffect">
-                                  <p:stCondLst>
-                                    <p:cond delay="0"/>
-                                  </p:stCondLst>
-                                  <p:childTnLst>
-                                    <p:set>
-                                      <p:cBhvr>
-                                        <p:cTn id="34" dur="1" fill="hold">
-                                          <p:stCondLst>
-                                            <p:cond delay="0"/>
-                                          </p:stCondLst>
-                                        </p:cTn>
-                                        <p:tgtEl>
-                                          <p:spTgt spid="5">
-                                            <p:txEl>
-                                              <p:pRg st="5" end="5"/>
-                                            </p:txEl>
-                                          </p:spTgt>
-                                        </p:tgtEl>
-                                        <p:attrNameLst>
-                                          <p:attrName>style.visibility</p:attrName>
-                                        </p:attrNameLst>
-                                      </p:cBhvr>
-                                      <p:to>
-                                        <p:strVal val="visible"/>
-                                      </p:to>
-                                    </p:set>
-                                    <p:animEffect transition="in" filter="fade">
-                                      <p:cBhvr>
-                                        <p:cTn id="35" dur="500"/>
-                                        <p:tgtEl>
-                                          <p:spTgt spid="5">
-                                            <p:txEl>
-                                              <p:pRg st="5" end="5"/>
-                                            </p:txEl>
-                                          </p:spTgt>
-                                        </p:tgtEl>
-                                      </p:cBhvr>
-                                    </p:animEffect>
-                                  </p:childTnLst>
-                                </p:cTn>
-                              </p:par>
-                            </p:childTnLst>
-                          </p:cTn>
-                        </p:par>
-                        <p:par>
-                          <p:cTn id="36" fill="hold">
-                            <p:stCondLst>
-                              <p:cond delay="3000"/>
-                            </p:stCondLst>
-                            <p:childTnLst>
-                              <p:par>
-                                <p:cTn id="37" presetID="10" presetClass="entr" presetSubtype="0" fill="hold" grpId="0" nodeType="afterEffect">
-                                  <p:stCondLst>
-                                    <p:cond delay="0"/>
-                                  </p:stCondLst>
-                                  <p:childTnLst>
-                                    <p:set>
-                                      <p:cBhvr>
-                                        <p:cTn id="38" dur="1" fill="hold">
-                                          <p:stCondLst>
-                                            <p:cond delay="0"/>
-                                          </p:stCondLst>
-                                        </p:cTn>
-                                        <p:tgtEl>
-                                          <p:spTgt spid="5">
-                                            <p:txEl>
-                                              <p:pRg st="6" end="6"/>
-                                            </p:txEl>
-                                          </p:spTgt>
-                                        </p:tgtEl>
-                                        <p:attrNameLst>
-                                          <p:attrName>style.visibility</p:attrName>
-                                        </p:attrNameLst>
-                                      </p:cBhvr>
-                                      <p:to>
-                                        <p:strVal val="visible"/>
-                                      </p:to>
-                                    </p:set>
-                                    <p:animEffect transition="in" filter="fade">
-                                      <p:cBhvr>
-                                        <p:cTn id="39" dur="500"/>
-                                        <p:tgtEl>
-                                          <p:spTgt spid="5">
-                                            <p:txEl>
-                                              <p:pRg st="6" end="6"/>
                                             </p:txEl>
                                           </p:spTgt>
                                         </p:tgtEl>
@@ -33574,32 +33596,36 @@
                     </p:cTn>
                   </p:par>
                   <p:par>
-                    <p:cTn id="40" fill="hold">
+                    <p:cTn id="21" fill="hold">
                       <p:stCondLst>
                         <p:cond delay="indefinite"/>
                       </p:stCondLst>
                       <p:childTnLst>
                         <p:par>
-                          <p:cTn id="41" fill="hold">
+                          <p:cTn id="22" fill="hold">
                             <p:stCondLst>
                               <p:cond delay="0"/>
                             </p:stCondLst>
                             <p:childTnLst>
                               <p:par>
-                                <p:cTn id="42" presetID="10" presetClass="entr" presetSubtype="0" fill="hold" nodeType="clickEffect">
+                                <p:cTn id="23" presetID="10" presetClass="entr" presetSubtype="0" fill="hold" grpId="0" nodeType="clickEffect">
                                   <p:stCondLst>
                                     <p:cond delay="0"/>
                                   </p:stCondLst>
                                   <p:childTnLst>
                                     <p:set>
                                       <p:cBhvr>
-                                        <p:cTn id="43" dur="1" fill="hold">
+                                        <p:cTn id="24" dur="1" fill="hold">
                                           <p:stCondLst>
                                             <p:cond delay="0"/>
                                           </p:stCondLst>
                                         </p:cTn>
                                         <p:tgtEl>
-                                          <p:spTgt spid="10"/>
+                                          <p:spTgt spid="5">
+                                            <p:txEl>
+                                              <p:pRg st="2" end="2"/>
+                                            </p:txEl>
+                                          </p:spTgt>
                                         </p:tgtEl>
                                         <p:attrNameLst>
                                           <p:attrName>style.visibility</p:attrName>
@@ -33611,7 +33637,308 @@
                                     </p:set>
                                     <p:animEffect transition="in" filter="fade">
                                       <p:cBhvr>
-                                        <p:cTn id="44" dur="500"/>
+                                        <p:cTn id="25" dur="500"/>
+                                        <p:tgtEl>
+                                          <p:spTgt spid="5">
+                                            <p:txEl>
+                                              <p:pRg st="2" end="2"/>
+                                            </p:txEl>
+                                          </p:spTgt>
+                                        </p:tgtEl>
+                                      </p:cBhvr>
+                                    </p:animEffect>
+                                  </p:childTnLst>
+                                </p:cTn>
+                              </p:par>
+                            </p:childTnLst>
+                          </p:cTn>
+                        </p:par>
+                      </p:childTnLst>
+                    </p:cTn>
+                  </p:par>
+                  <p:par>
+                    <p:cTn id="26" fill="hold">
+                      <p:stCondLst>
+                        <p:cond delay="indefinite"/>
+                      </p:stCondLst>
+                      <p:childTnLst>
+                        <p:par>
+                          <p:cTn id="27" fill="hold">
+                            <p:stCondLst>
+                              <p:cond delay="0"/>
+                            </p:stCondLst>
+                            <p:childTnLst>
+                              <p:par>
+                                <p:cTn id="28" presetID="10" presetClass="entr" presetSubtype="0" fill="hold" grpId="0" nodeType="clickEffect">
+                                  <p:stCondLst>
+                                    <p:cond delay="0"/>
+                                  </p:stCondLst>
+                                  <p:childTnLst>
+                                    <p:set>
+                                      <p:cBhvr>
+                                        <p:cTn id="29" dur="1" fill="hold">
+                                          <p:stCondLst>
+                                            <p:cond delay="0"/>
+                                          </p:stCondLst>
+                                        </p:cTn>
+                                        <p:tgtEl>
+                                          <p:spTgt spid="5">
+                                            <p:txEl>
+                                              <p:pRg st="3" end="3"/>
+                                            </p:txEl>
+                                          </p:spTgt>
+                                        </p:tgtEl>
+                                        <p:attrNameLst>
+                                          <p:attrName>style.visibility</p:attrName>
+                                        </p:attrNameLst>
+                                      </p:cBhvr>
+                                      <p:to>
+                                        <p:strVal val="visible"/>
+                                      </p:to>
+                                    </p:set>
+                                    <p:animEffect transition="in" filter="fade">
+                                      <p:cBhvr>
+                                        <p:cTn id="30" dur="500"/>
+                                        <p:tgtEl>
+                                          <p:spTgt spid="5">
+                                            <p:txEl>
+                                              <p:pRg st="3" end="3"/>
+                                            </p:txEl>
+                                          </p:spTgt>
+                                        </p:tgtEl>
+                                      </p:cBhvr>
+                                    </p:animEffect>
+                                  </p:childTnLst>
+                                </p:cTn>
+                              </p:par>
+                            </p:childTnLst>
+                          </p:cTn>
+                        </p:par>
+                      </p:childTnLst>
+                    </p:cTn>
+                  </p:par>
+                  <p:par>
+                    <p:cTn id="31" fill="hold">
+                      <p:stCondLst>
+                        <p:cond delay="indefinite"/>
+                      </p:stCondLst>
+                      <p:childTnLst>
+                        <p:par>
+                          <p:cTn id="32" fill="hold">
+                            <p:stCondLst>
+                              <p:cond delay="0"/>
+                            </p:stCondLst>
+                            <p:childTnLst>
+                              <p:par>
+                                <p:cTn id="33" presetID="10" presetClass="entr" presetSubtype="0" fill="hold" grpId="0" nodeType="clickEffect">
+                                  <p:stCondLst>
+                                    <p:cond delay="0"/>
+                                  </p:stCondLst>
+                                  <p:childTnLst>
+                                    <p:set>
+                                      <p:cBhvr>
+                                        <p:cTn id="34" dur="1" fill="hold">
+                                          <p:stCondLst>
+                                            <p:cond delay="0"/>
+                                          </p:stCondLst>
+                                        </p:cTn>
+                                        <p:tgtEl>
+                                          <p:spTgt spid="5">
+                                            <p:txEl>
+                                              <p:pRg st="4" end="4"/>
+                                            </p:txEl>
+                                          </p:spTgt>
+                                        </p:tgtEl>
+                                        <p:attrNameLst>
+                                          <p:attrName>style.visibility</p:attrName>
+                                        </p:attrNameLst>
+                                      </p:cBhvr>
+                                      <p:to>
+                                        <p:strVal val="visible"/>
+                                      </p:to>
+                                    </p:set>
+                                    <p:animEffect transition="in" filter="fade">
+                                      <p:cBhvr>
+                                        <p:cTn id="35" dur="500"/>
+                                        <p:tgtEl>
+                                          <p:spTgt spid="5">
+                                            <p:txEl>
+                                              <p:pRg st="4" end="4"/>
+                                            </p:txEl>
+                                          </p:spTgt>
+                                        </p:tgtEl>
+                                      </p:cBhvr>
+                                    </p:animEffect>
+                                  </p:childTnLst>
+                                </p:cTn>
+                              </p:par>
+                            </p:childTnLst>
+                          </p:cTn>
+                        </p:par>
+                      </p:childTnLst>
+                    </p:cTn>
+                  </p:par>
+                  <p:par>
+                    <p:cTn id="36" fill="hold">
+                      <p:stCondLst>
+                        <p:cond delay="indefinite"/>
+                      </p:stCondLst>
+                      <p:childTnLst>
+                        <p:par>
+                          <p:cTn id="37" fill="hold">
+                            <p:stCondLst>
+                              <p:cond delay="0"/>
+                            </p:stCondLst>
+                            <p:childTnLst>
+                              <p:par>
+                                <p:cTn id="38" presetID="10" presetClass="entr" presetSubtype="0" fill="hold" grpId="0" nodeType="clickEffect">
+                                  <p:stCondLst>
+                                    <p:cond delay="0"/>
+                                  </p:stCondLst>
+                                  <p:childTnLst>
+                                    <p:set>
+                                      <p:cBhvr>
+                                        <p:cTn id="39" dur="1" fill="hold">
+                                          <p:stCondLst>
+                                            <p:cond delay="0"/>
+                                          </p:stCondLst>
+                                        </p:cTn>
+                                        <p:tgtEl>
+                                          <p:spTgt spid="5">
+                                            <p:txEl>
+                                              <p:pRg st="5" end="5"/>
+                                            </p:txEl>
+                                          </p:spTgt>
+                                        </p:tgtEl>
+                                        <p:attrNameLst>
+                                          <p:attrName>style.visibility</p:attrName>
+                                        </p:attrNameLst>
+                                      </p:cBhvr>
+                                      <p:to>
+                                        <p:strVal val="visible"/>
+                                      </p:to>
+                                    </p:set>
+                                    <p:animEffect transition="in" filter="fade">
+                                      <p:cBhvr>
+                                        <p:cTn id="40" dur="500"/>
+                                        <p:tgtEl>
+                                          <p:spTgt spid="5">
+                                            <p:txEl>
+                                              <p:pRg st="5" end="5"/>
+                                            </p:txEl>
+                                          </p:spTgt>
+                                        </p:tgtEl>
+                                      </p:cBhvr>
+                                    </p:animEffect>
+                                  </p:childTnLst>
+                                </p:cTn>
+                              </p:par>
+                            </p:childTnLst>
+                          </p:cTn>
+                        </p:par>
+                      </p:childTnLst>
+                    </p:cTn>
+                  </p:par>
+                  <p:par>
+                    <p:cTn id="41" fill="hold">
+                      <p:stCondLst>
+                        <p:cond delay="indefinite"/>
+                      </p:stCondLst>
+                      <p:childTnLst>
+                        <p:par>
+                          <p:cTn id="42" fill="hold">
+                            <p:stCondLst>
+                              <p:cond delay="0"/>
+                            </p:stCondLst>
+                            <p:childTnLst>
+                              <p:par>
+                                <p:cTn id="43" presetID="10" presetClass="entr" presetSubtype="0" fill="hold" grpId="0" nodeType="clickEffect">
+                                  <p:stCondLst>
+                                    <p:cond delay="0"/>
+                                  </p:stCondLst>
+                                  <p:childTnLst>
+                                    <p:set>
+                                      <p:cBhvr>
+                                        <p:cTn id="44" dur="1" fill="hold">
+                                          <p:stCondLst>
+                                            <p:cond delay="0"/>
+                                          </p:stCondLst>
+                                        </p:cTn>
+                                        <p:tgtEl>
+                                          <p:spTgt spid="5">
+                                            <p:txEl>
+                                              <p:pRg st="6" end="6"/>
+                                            </p:txEl>
+                                          </p:spTgt>
+                                        </p:tgtEl>
+                                        <p:attrNameLst>
+                                          <p:attrName>style.visibility</p:attrName>
+                                        </p:attrNameLst>
+                                      </p:cBhvr>
+                                      <p:to>
+                                        <p:strVal val="visible"/>
+                                      </p:to>
+                                    </p:set>
+                                    <p:animEffect transition="in" filter="fade">
+                                      <p:cBhvr>
+                                        <p:cTn id="45" dur="500"/>
+                                        <p:tgtEl>
+                                          <p:spTgt spid="5">
+                                            <p:txEl>
+                                              <p:pRg st="6" end="6"/>
+                                            </p:txEl>
+                                          </p:spTgt>
+                                        </p:tgtEl>
+                                      </p:cBhvr>
+                                    </p:animEffect>
+                                  </p:childTnLst>
+                                </p:cTn>
+                              </p:par>
+                            </p:childTnLst>
+                          </p:cTn>
+                        </p:par>
+                      </p:childTnLst>
+                    </p:cTn>
+                  </p:par>
+                  <p:par>
+                    <p:cTn id="46" fill="hold">
+                      <p:stCondLst>
+                        <p:cond delay="indefinite"/>
+                      </p:stCondLst>
+                      <p:childTnLst>
+                        <p:par>
+                          <p:cTn id="47" fill="hold">
+                            <p:stCondLst>
+                              <p:cond delay="0"/>
+                            </p:stCondLst>
+                            <p:childTnLst>
+                              <p:par>
+                                <p:cTn id="48" presetID="10" presetClass="entr" presetSubtype="0" fill="hold" nodeType="clickEffect">
+                                  <p:stCondLst>
+                                    <p:cond delay="0"/>
+                                  </p:stCondLst>
+                                  <p:childTnLst>
+                                    <p:set>
+                                      <p:cBhvr>
+                                        <p:cTn id="49" dur="1" fill="hold">
+                                          <p:stCondLst>
+                                            <p:cond delay="0"/>
+                                          </p:stCondLst>
+                                        </p:cTn>
+                                        <p:tgtEl>
+                                          <p:spTgt spid="10"/>
+                                        </p:tgtEl>
+                                        <p:attrNameLst>
+                                          <p:attrName>style.visibility</p:attrName>
+                                        </p:attrNameLst>
+                                      </p:cBhvr>
+                                      <p:to>
+                                        <p:strVal val="visible"/>
+                                      </p:to>
+                                    </p:set>
+                                    <p:animEffect transition="in" filter="fade">
+                                      <p:cBhvr>
+                                        <p:cTn id="50" dur="500"/>
                                         <p:tgtEl>
                                           <p:spTgt spid="10"/>
                                         </p:tgtEl>
